--- a/UseCases_PersistenID.pptx
+++ b/UseCases_PersistenID.pptx
@@ -989,7 +989,7 @@
           <a:p>
             <a:fld id="{29BFE5FB-EE99-4E69-B2F7-C156D52DE4BD}" type="datetimeFigureOut">
               <a:rPr lang="en-GB" smtClean="0"/>
-              <a:t>07/03/2023</a:t>
+              <a:t>27/04/2023</a:t>
             </a:fld>
             <a:endParaRPr lang="en-GB"/>
           </a:p>
@@ -1189,7 +1189,7 @@
           <a:p>
             <a:fld id="{29BFE5FB-EE99-4E69-B2F7-C156D52DE4BD}" type="datetimeFigureOut">
               <a:rPr lang="en-GB" smtClean="0"/>
-              <a:t>07/03/2023</a:t>
+              <a:t>27/04/2023</a:t>
             </a:fld>
             <a:endParaRPr lang="en-GB"/>
           </a:p>
@@ -1399,7 +1399,7 @@
           <a:p>
             <a:fld id="{29BFE5FB-EE99-4E69-B2F7-C156D52DE4BD}" type="datetimeFigureOut">
               <a:rPr lang="en-GB" smtClean="0"/>
-              <a:t>07/03/2023</a:t>
+              <a:t>27/04/2023</a:t>
             </a:fld>
             <a:endParaRPr lang="en-GB"/>
           </a:p>
@@ -1599,7 +1599,7 @@
           <a:p>
             <a:fld id="{29BFE5FB-EE99-4E69-B2F7-C156D52DE4BD}" type="datetimeFigureOut">
               <a:rPr lang="en-GB" smtClean="0"/>
-              <a:t>07/03/2023</a:t>
+              <a:t>27/04/2023</a:t>
             </a:fld>
             <a:endParaRPr lang="en-GB"/>
           </a:p>
@@ -1875,7 +1875,7 @@
           <a:p>
             <a:fld id="{29BFE5FB-EE99-4E69-B2F7-C156D52DE4BD}" type="datetimeFigureOut">
               <a:rPr lang="en-GB" smtClean="0"/>
-              <a:t>07/03/2023</a:t>
+              <a:t>27/04/2023</a:t>
             </a:fld>
             <a:endParaRPr lang="en-GB"/>
           </a:p>
@@ -2143,7 +2143,7 @@
           <a:p>
             <a:fld id="{29BFE5FB-EE99-4E69-B2F7-C156D52DE4BD}" type="datetimeFigureOut">
               <a:rPr lang="en-GB" smtClean="0"/>
-              <a:t>07/03/2023</a:t>
+              <a:t>27/04/2023</a:t>
             </a:fld>
             <a:endParaRPr lang="en-GB"/>
           </a:p>
@@ -2558,7 +2558,7 @@
           <a:p>
             <a:fld id="{29BFE5FB-EE99-4E69-B2F7-C156D52DE4BD}" type="datetimeFigureOut">
               <a:rPr lang="en-GB" smtClean="0"/>
-              <a:t>07/03/2023</a:t>
+              <a:t>27/04/2023</a:t>
             </a:fld>
             <a:endParaRPr lang="en-GB"/>
           </a:p>
@@ -2700,7 +2700,7 @@
           <a:p>
             <a:fld id="{29BFE5FB-EE99-4E69-B2F7-C156D52DE4BD}" type="datetimeFigureOut">
               <a:rPr lang="en-GB" smtClean="0"/>
-              <a:t>07/03/2023</a:t>
+              <a:t>27/04/2023</a:t>
             </a:fld>
             <a:endParaRPr lang="en-GB"/>
           </a:p>
@@ -2813,7 +2813,7 @@
           <a:p>
             <a:fld id="{29BFE5FB-EE99-4E69-B2F7-C156D52DE4BD}" type="datetimeFigureOut">
               <a:rPr lang="en-GB" smtClean="0"/>
-              <a:t>07/03/2023</a:t>
+              <a:t>27/04/2023</a:t>
             </a:fld>
             <a:endParaRPr lang="en-GB"/>
           </a:p>
@@ -3126,7 +3126,7 @@
           <a:p>
             <a:fld id="{29BFE5FB-EE99-4E69-B2F7-C156D52DE4BD}" type="datetimeFigureOut">
               <a:rPr lang="en-GB" smtClean="0"/>
-              <a:t>07/03/2023</a:t>
+              <a:t>27/04/2023</a:t>
             </a:fld>
             <a:endParaRPr lang="en-GB"/>
           </a:p>
@@ -3415,7 +3415,7 @@
           <a:p>
             <a:fld id="{29BFE5FB-EE99-4E69-B2F7-C156D52DE4BD}" type="datetimeFigureOut">
               <a:rPr lang="en-GB" smtClean="0"/>
-              <a:t>07/03/2023</a:t>
+              <a:t>27/04/2023</a:t>
             </a:fld>
             <a:endParaRPr lang="en-GB"/>
           </a:p>
@@ -3658,7 +3658,7 @@
           <a:p>
             <a:fld id="{29BFE5FB-EE99-4E69-B2F7-C156D52DE4BD}" type="datetimeFigureOut">
               <a:rPr lang="en-GB" smtClean="0"/>
-              <a:t>07/03/2023</a:t>
+              <a:t>27/04/2023</a:t>
             </a:fld>
             <a:endParaRPr lang="en-GB"/>
           </a:p>
@@ -4362,6 +4362,36 @@
           <a:chExt cx="0" cy="0"/>
         </a:xfrm>
       </p:grpSpPr>
+      <p:pic>
+        <p:nvPicPr>
+          <p:cNvPr id="4" name="Picture 3">
+            <a:extLst>
+              <a:ext uri="{FF2B5EF4-FFF2-40B4-BE49-F238E27FC236}">
+                <a16:creationId xmlns:a16="http://schemas.microsoft.com/office/drawing/2014/main" id="{7150F93A-1CB4-5DE3-7A10-32F5499A7E14}"/>
+              </a:ext>
+            </a:extLst>
+          </p:cNvPr>
+          <p:cNvPicPr>
+            <a:picLocks noChangeAspect="1"/>
+          </p:cNvPicPr>
+          <p:nvPr/>
+        </p:nvPicPr>
+        <p:blipFill>
+          <a:blip r:embed="rId2"/>
+          <a:stretch>
+            <a:fillRect/>
+          </a:stretch>
+        </p:blipFill>
+        <p:spPr>
+          <a:xfrm>
+            <a:off x="327025" y="1204933"/>
+            <a:ext cx="7763111" cy="4719618"/>
+          </a:xfrm>
+          <a:prstGeom prst="rect">
+            <a:avLst/>
+          </a:prstGeom>
+        </p:spPr>
+      </p:pic>
       <p:sp>
         <p:nvSpPr>
           <p:cNvPr id="3" name="TextBox 2">
@@ -4396,7 +4426,7 @@
             </a:pPr>
             <a:r>
               <a:rPr lang="en-GB" dirty="0"/>
-              <a:t>Additional property break at one of the break</a:t>
+              <a:t>Additional property break to the existing breaks</a:t>
             </a:r>
           </a:p>
           <a:p>
@@ -4523,10 +4553,10 @@
       </p:graphicFrame>
       <p:pic>
         <p:nvPicPr>
-          <p:cNvPr id="4" name="Picture 3">
-            <a:extLst>
-              <a:ext uri="{FF2B5EF4-FFF2-40B4-BE49-F238E27FC236}">
-                <a16:creationId xmlns:a16="http://schemas.microsoft.com/office/drawing/2014/main" id="{7150F93A-1CB4-5DE3-7A10-32F5499A7E14}"/>
+          <p:cNvPr id="14" name="Picture 13">
+            <a:extLst>
+              <a:ext uri="{FF2B5EF4-FFF2-40B4-BE49-F238E27FC236}">
+                <a16:creationId xmlns:a16="http://schemas.microsoft.com/office/drawing/2014/main" id="{0867DAD2-EF74-8AFE-7A1D-EB2EDAB00363}"/>
               </a:ext>
             </a:extLst>
           </p:cNvPr>
@@ -4536,15 +4566,90 @@
           <p:nvPr/>
         </p:nvPicPr>
         <p:blipFill>
-          <a:blip r:embed="rId2"/>
+          <a:blip r:embed="rId3"/>
           <a:stretch>
             <a:fillRect/>
           </a:stretch>
         </p:blipFill>
         <p:spPr>
           <a:xfrm>
-            <a:off x="327025" y="1204933"/>
-            <a:ext cx="7763111" cy="4719618"/>
+            <a:off x="6062658" y="3324210"/>
+            <a:ext cx="66684" cy="209579"/>
+          </a:xfrm>
+          <a:prstGeom prst="rect">
+            <a:avLst/>
+          </a:prstGeom>
+        </p:spPr>
+      </p:pic>
+      <p:cxnSp>
+        <p:nvCxnSpPr>
+          <p:cNvPr id="16" name="Straight Connector 15">
+            <a:extLst>
+              <a:ext uri="{FF2B5EF4-FFF2-40B4-BE49-F238E27FC236}">
+                <a16:creationId xmlns:a16="http://schemas.microsoft.com/office/drawing/2014/main" id="{A29FB585-2461-CC61-D0BA-ECB0D795D605}"/>
+              </a:ext>
+            </a:extLst>
+          </p:cNvPr>
+          <p:cNvCxnSpPr>
+            <a:cxnSpLocks/>
+          </p:cNvCxnSpPr>
+          <p:nvPr/>
+        </p:nvCxnSpPr>
+        <p:spPr>
+          <a:xfrm flipH="1" flipV="1">
+            <a:off x="4974430" y="4954548"/>
+            <a:ext cx="1" cy="88940"/>
+          </a:xfrm>
+          <a:prstGeom prst="line">
+            <a:avLst/>
+          </a:prstGeom>
+          <a:ln>
+            <a:solidFill>
+              <a:schemeClr val="tx1">
+                <a:alpha val="65000"/>
+              </a:schemeClr>
+            </a:solidFill>
+          </a:ln>
+        </p:spPr>
+        <p:style>
+          <a:lnRef idx="1">
+            <a:schemeClr val="accent1"/>
+          </a:lnRef>
+          <a:fillRef idx="0">
+            <a:schemeClr val="accent1"/>
+          </a:fillRef>
+          <a:effectRef idx="0">
+            <a:schemeClr val="accent1"/>
+          </a:effectRef>
+          <a:fontRef idx="minor">
+            <a:schemeClr val="tx1"/>
+          </a:fontRef>
+        </p:style>
+      </p:cxnSp>
+      <p:pic>
+        <p:nvPicPr>
+          <p:cNvPr id="18" name="Picture 17">
+            <a:extLst>
+              <a:ext uri="{FF2B5EF4-FFF2-40B4-BE49-F238E27FC236}">
+                <a16:creationId xmlns:a16="http://schemas.microsoft.com/office/drawing/2014/main" id="{4468DA50-6805-4A35-22BA-0BD90334B7F1}"/>
+              </a:ext>
+            </a:extLst>
+          </p:cNvPr>
+          <p:cNvPicPr>
+            <a:picLocks noChangeAspect="1"/>
+          </p:cNvPicPr>
+          <p:nvPr/>
+        </p:nvPicPr>
+        <p:blipFill>
+          <a:blip r:embed="rId4"/>
+          <a:stretch>
+            <a:fillRect/>
+          </a:stretch>
+        </p:blipFill>
+        <p:spPr>
+          <a:xfrm>
+            <a:off x="4866843" y="4954548"/>
+            <a:ext cx="215175" cy="61197"/>
           </a:xfrm>
           <a:prstGeom prst="rect">
             <a:avLst/>
@@ -6082,52 +6187,6 @@
           </a:prstGeom>
         </p:spPr>
       </p:pic>
-      <p:sp>
-        <p:nvSpPr>
-          <p:cNvPr id="2" name="Arrow: Down 1">
-            <a:extLst>
-              <a:ext uri="{FF2B5EF4-FFF2-40B4-BE49-F238E27FC236}">
-                <a16:creationId xmlns:a16="http://schemas.microsoft.com/office/drawing/2014/main" id="{99C40114-91FC-FD98-81A4-FABE693C5468}"/>
-              </a:ext>
-            </a:extLst>
-          </p:cNvPr>
-          <p:cNvSpPr/>
-          <p:nvPr/>
-        </p:nvSpPr>
-        <p:spPr>
-          <a:xfrm>
-            <a:off x="4614863" y="3759994"/>
-            <a:ext cx="119062" cy="83344"/>
-          </a:xfrm>
-          <a:prstGeom prst="downArrow">
-            <a:avLst/>
-          </a:prstGeom>
-        </p:spPr>
-        <p:style>
-          <a:lnRef idx="2">
-            <a:schemeClr val="accent1">
-              <a:shade val="50000"/>
-            </a:schemeClr>
-          </a:lnRef>
-          <a:fillRef idx="1">
-            <a:schemeClr val="accent1"/>
-          </a:fillRef>
-          <a:effectRef idx="0">
-            <a:schemeClr val="accent1"/>
-          </a:effectRef>
-          <a:fontRef idx="minor">
-            <a:schemeClr val="lt1"/>
-          </a:fontRef>
-        </p:style>
-        <p:txBody>
-          <a:bodyPr rtlCol="0" anchor="ctr"/>
-          <a:lstStyle/>
-          <a:p>
-            <a:pPr algn="ctr"/>
-            <a:endParaRPr lang="en-GB"/>
-          </a:p>
-        </p:txBody>
-      </p:sp>
     </p:spTree>
     <p:extLst>
       <p:ext uri="{BB962C8B-B14F-4D97-AF65-F5344CB8AC3E}">
